--- a/Poster_Material/Poster_v2.pptx
+++ b/Poster_Material/Poster_v2.pptx
@@ -6052,7 +6052,7 @@
               <a:buChar char="•"/>
             </a:pPr>
             <a:r>
-              <a:rPr lang="de-DE" sz="2400" dirty="0">
+              <a:rPr lang="de-DE" sz="2400">
                 <a:solidFill>
                   <a:schemeClr val="bg1">
                     <a:lumMod val="95000"/>
@@ -6061,32 +6061,17 @@
                 <a:latin typeface="Arial" pitchFamily="34" charset="0"/>
                 <a:cs typeface="Arial" pitchFamily="34" charset="0"/>
               </a:rPr>
-              <a:t>MATLAB </a:t>
-            </a:r>
-            <a:r>
-              <a:rPr lang="de-DE" sz="2400" dirty="0" err="1">
-                <a:solidFill>
-                  <a:schemeClr val="bg1">
-                    <a:lumMod val="95000"/>
-                  </a:schemeClr>
-                </a:solidFill>
-                <a:latin typeface="Arial" pitchFamily="34" charset="0"/>
-                <a:cs typeface="Arial" pitchFamily="34" charset="0"/>
-              </a:rPr>
-              <a:t>Playing</a:t>
-            </a:r>
-            <a:r>
-              <a:rPr lang="de-DE" sz="2400" dirty="0">
-                <a:solidFill>
-                  <a:schemeClr val="bg1">
-                    <a:lumMod val="95000"/>
-                  </a:schemeClr>
-                </a:solidFill>
-                <a:latin typeface="Arial" pitchFamily="34" charset="0"/>
-                <a:cs typeface="Arial" pitchFamily="34" charset="0"/>
-              </a:rPr>
-              <a:t> Cards </a:t>
-            </a:r>
+              <a:t>MATLAB Spielkarten </a:t>
+            </a:r>
+            <a:endParaRPr lang="de-DE" sz="2400" dirty="0">
+              <a:solidFill>
+                <a:schemeClr val="bg1">
+                  <a:lumMod val="95000"/>
+                </a:schemeClr>
+              </a:solidFill>
+              <a:latin typeface="Arial" pitchFamily="34" charset="0"/>
+              <a:cs typeface="Arial" pitchFamily="34" charset="0"/>
+            </a:endParaRPr>
           </a:p>
           <a:p>
             <a:pPr marL="342900" indent="-342900" algn="l">
@@ -7912,20 +7897,6 @@
 </file>
 
 <file path=customXml/item1.xml><?xml version="1.0" encoding="utf-8"?>
-<p:properties xmlns:p="http://schemas.microsoft.com/office/2006/metadata/properties" xmlns:xsi="http://www.w3.org/2001/XMLSchema-instance" xmlns:pc="http://schemas.microsoft.com/office/infopath/2007/PartnerControls">
-  <documentManagement>
-    <Number xmlns="b7b985a6-5614-4791-8283-b6a0b2c6681f" xsi:nil="true"/>
-    <TaxCatchAll xmlns="bbb466d9-fd0a-40ba-89cb-77eb15c2a30a" xsi:nil="true"/>
-    <lcf76f155ced4ddcb4097134ff3c332f xmlns="b7b985a6-5614-4791-8283-b6a0b2c6681f">
-      <Terms xmlns="http://schemas.microsoft.com/office/infopath/2007/PartnerControls"/>
-    </lcf76f155ced4ddcb4097134ff3c332f>
-    <_ip_UnifiedCompliancePolicyUIAction xmlns="http://schemas.microsoft.com/sharepoint/v3" xsi:nil="true"/>
-    <_ip_UnifiedCompliancePolicyProperties xmlns="http://schemas.microsoft.com/sharepoint/v3" xsi:nil="true"/>
-  </documentManagement>
-</p:properties>
-</file>
-
-<file path=customXml/item2.xml><?xml version="1.0" encoding="utf-8"?>
 <ct:contentTypeSchema xmlns:ct="http://schemas.microsoft.com/office/2006/metadata/contentType" xmlns:ma="http://schemas.microsoft.com/office/2006/metadata/properties/metaAttributes" ct:_="" ma:_="" ma:contentTypeName="Document" ma:contentTypeID="0x0101005CED2B3B9BAE8849942648134EEE717D" ma:contentTypeVersion="21" ma:contentTypeDescription="Create a new document." ma:contentTypeScope="" ma:versionID="8be429ad6f21b6a538614f77b12cb816">
   <xsd:schema xmlns:xsd="http://www.w3.org/2001/XMLSchema" xmlns:xs="http://www.w3.org/2001/XMLSchema" xmlns:p="http://schemas.microsoft.com/office/2006/metadata/properties" xmlns:ns1="http://schemas.microsoft.com/sharepoint/v3" xmlns:ns2="b7b985a6-5614-4791-8283-b6a0b2c6681f" xmlns:ns3="bbb466d9-fd0a-40ba-89cb-77eb15c2a30a" targetNamespace="http://schemas.microsoft.com/office/2006/metadata/properties" ma:root="true" ma:fieldsID="3f6ae55203bfeecc17834d713e5e918b" ns1:_="" ns2:_="" ns3:_="">
     <xsd:import namespace="http://schemas.microsoft.com/sharepoint/v3"/>
@@ -8205,6 +8176,20 @@
 </ct:contentTypeSchema>
 </file>
 
+<file path=customXml/item2.xml><?xml version="1.0" encoding="utf-8"?>
+<p:properties xmlns:p="http://schemas.microsoft.com/office/2006/metadata/properties" xmlns:xsi="http://www.w3.org/2001/XMLSchema-instance" xmlns:pc="http://schemas.microsoft.com/office/infopath/2007/PartnerControls">
+  <documentManagement>
+    <Number xmlns="b7b985a6-5614-4791-8283-b6a0b2c6681f" xsi:nil="true"/>
+    <TaxCatchAll xmlns="bbb466d9-fd0a-40ba-89cb-77eb15c2a30a" xsi:nil="true"/>
+    <lcf76f155ced4ddcb4097134ff3c332f xmlns="b7b985a6-5614-4791-8283-b6a0b2c6681f">
+      <Terms xmlns="http://schemas.microsoft.com/office/infopath/2007/PartnerControls"/>
+    </lcf76f155ced4ddcb4097134ff3c332f>
+    <_ip_UnifiedCompliancePolicyUIAction xmlns="http://schemas.microsoft.com/sharepoint/v3" xsi:nil="true"/>
+    <_ip_UnifiedCompliancePolicyProperties xmlns="http://schemas.microsoft.com/sharepoint/v3" xsi:nil="true"/>
+  </documentManagement>
+</p:properties>
+</file>
+
 <file path=customXml/item3.xml><?xml version="1.0" encoding="utf-8"?>
 <?mso-contentType ?>
 <FormTemplates xmlns="http://schemas.microsoft.com/sharepoint/v3/contenttype/forms">
@@ -8215,24 +8200,6 @@
 </file>
 
 <file path=customXml/itemProps1.xml><?xml version="1.0" encoding="utf-8"?>
-<ds:datastoreItem xmlns:ds="http://schemas.openxmlformats.org/officeDocument/2006/customXml" ds:itemID="{51A20F15-EA1D-4767-BEE1-03EFC247B3A4}">
-  <ds:schemaRefs>
-    <ds:schemaRef ds:uri="http://schemas.microsoft.com/office/2006/metadata/properties"/>
-    <ds:schemaRef ds:uri="http://purl.org/dc/elements/1.1/"/>
-    <ds:schemaRef ds:uri="http://schemas.microsoft.com/office/infopath/2007/PartnerControls"/>
-    <ds:schemaRef ds:uri="b7b985a6-5614-4791-8283-b6a0b2c6681f"/>
-    <ds:schemaRef ds:uri="http://schemas.microsoft.com/office/2006/documentManagement/types"/>
-    <ds:schemaRef ds:uri="http://www.w3.org/XML/1998/namespace"/>
-    <ds:schemaRef ds:uri="http://purl.org/dc/dcmitype/"/>
-    <ds:schemaRef ds:uri="bbb466d9-fd0a-40ba-89cb-77eb15c2a30a"/>
-    <ds:schemaRef ds:uri="http://schemas.openxmlformats.org/package/2006/metadata/core-properties"/>
-    <ds:schemaRef ds:uri="http://schemas.microsoft.com/sharepoint/v3"/>
-    <ds:schemaRef ds:uri="http://purl.org/dc/terms/"/>
-  </ds:schemaRefs>
-</ds:datastoreItem>
-</file>
-
-<file path=customXml/itemProps2.xml><?xml version="1.0" encoding="utf-8"?>
 <ds:datastoreItem xmlns:ds="http://schemas.openxmlformats.org/officeDocument/2006/customXml" ds:itemID="{8E801918-497C-478B-8DC0-0C117B047276}">
   <ds:schemaRefs>
     <ds:schemaRef ds:uri="http://schemas.microsoft.com/office/2006/metadata/contentType"/>
@@ -8252,6 +8219,24 @@
 </ds:datastoreItem>
 </file>
 
+<file path=customXml/itemProps2.xml><?xml version="1.0" encoding="utf-8"?>
+<ds:datastoreItem xmlns:ds="http://schemas.openxmlformats.org/officeDocument/2006/customXml" ds:itemID="{51A20F15-EA1D-4767-BEE1-03EFC247B3A4}">
+  <ds:schemaRefs>
+    <ds:schemaRef ds:uri="http://schemas.microsoft.com/office/2006/metadata/properties"/>
+    <ds:schemaRef ds:uri="http://purl.org/dc/elements/1.1/"/>
+    <ds:schemaRef ds:uri="http://schemas.microsoft.com/office/infopath/2007/PartnerControls"/>
+    <ds:schemaRef ds:uri="b7b985a6-5614-4791-8283-b6a0b2c6681f"/>
+    <ds:schemaRef ds:uri="http://schemas.microsoft.com/office/2006/documentManagement/types"/>
+    <ds:schemaRef ds:uri="http://www.w3.org/XML/1998/namespace"/>
+    <ds:schemaRef ds:uri="http://purl.org/dc/dcmitype/"/>
+    <ds:schemaRef ds:uri="bbb466d9-fd0a-40ba-89cb-77eb15c2a30a"/>
+    <ds:schemaRef ds:uri="http://schemas.openxmlformats.org/package/2006/metadata/core-properties"/>
+    <ds:schemaRef ds:uri="http://schemas.microsoft.com/sharepoint/v3"/>
+    <ds:schemaRef ds:uri="http://purl.org/dc/terms/"/>
+  </ds:schemaRefs>
+</ds:datastoreItem>
+</file>
+
 <file path=customXml/itemProps3.xml><?xml version="1.0" encoding="utf-8"?>
 <ds:datastoreItem xmlns:ds="http://schemas.openxmlformats.org/officeDocument/2006/customXml" ds:itemID="{901F7C80-507F-4FE4-A589-56E89D7303EB}">
   <ds:schemaRefs>
